--- a/Pre Defense/1707010, 1707035.pptx
+++ b/Pre Defense/1707010, 1707035.pptx
@@ -267,7 +267,7 @@
           <a:p>
             <a:fld id="{81B0E655-A3E8-484A-A736-A1DC113E3E42}" type="datetimeFigureOut">
               <a:rPr lang="en-US" smtClean="0"/>
-              <a:t>8/24/2022</a:t>
+              <a:t>2/12/2023</a:t>
             </a:fld>
             <a:endParaRPr lang="en-US"/>
           </a:p>
@@ -4251,7 +4251,7 @@
         <p:spPr>
           <a:xfrm>
             <a:off x="368130" y="1162975"/>
-            <a:ext cx="10993546" cy="1323439"/>
+            <a:ext cx="10993546" cy="707886"/>
           </a:xfrm>
           <a:prstGeom prst="rect">
             <a:avLst/>
@@ -4265,19 +4265,24 @@
           <a:lstStyle/>
           <a:p>
             <a:r>
-              <a:rPr lang="en-US" sz="4000" b="1" dirty="0">
+              <a:rPr lang="en-US" sz="4000" b="1">
                 <a:solidFill>
-                  <a:schemeClr val="tx1">
-                    <a:lumMod val="50000"/>
-                    <a:lumOff val="50000"/>
-                  </a:schemeClr>
+                  <a:srgbClr val="465359"/>
                 </a:solidFill>
                 <a:latin typeface="Open Sans" panose="020B0604020202020204" pitchFamily="34" charset="0"/>
                 <a:ea typeface="Open Sans" panose="020B0604020202020204" pitchFamily="34" charset="0"/>
                 <a:cs typeface="Open Sans" panose="020B0604020202020204" pitchFamily="34" charset="0"/>
               </a:rPr>
-              <a:t>A Decentralized approach to collect government service tax using Blockchain</a:t>
-            </a:r>
+              <a:t>An Utility</a:t>
+            </a:r>
+            <a:endParaRPr lang="en-US" sz="4000" b="1" dirty="0">
+              <a:solidFill>
+                <a:srgbClr val="465359"/>
+              </a:solidFill>
+              <a:latin typeface="Open Sans" panose="020B0604020202020204" pitchFamily="34" charset="0"/>
+              <a:ea typeface="Open Sans" panose="020B0604020202020204" pitchFamily="34" charset="0"/>
+              <a:cs typeface="Open Sans" panose="020B0604020202020204" pitchFamily="34" charset="0"/>
+            </a:endParaRPr>
           </a:p>
         </p:txBody>
       </p:sp>
@@ -4809,7 +4814,7 @@
           <p:nvPr>
             <p:extLst>
               <p:ext uri="{D42A27DB-BD31-4B8C-83A1-F6EECF244321}">
-                <p14:modId xmlns:p14="http://schemas.microsoft.com/office/powerpoint/2010/main" val="1705577186"/>
+                <p14:modId xmlns:p14="http://schemas.microsoft.com/office/powerpoint/2010/main" val="4180756122"/>
               </p:ext>
             </p:extLst>
           </p:nvPr>
